--- a/1.7 and 1.8 documentation .pptx
+++ b/1.7 and 1.8 documentation .pptx
@@ -129,7 +129,7 @@
 <file path=ppt/revisionInfo.xml><?xml version="1.0" encoding="utf-8"?>
 <p1510:revInfo xmlns:a="http://schemas.openxmlformats.org/drawingml/2006/main" xmlns:r="http://schemas.openxmlformats.org/officeDocument/2006/relationships" xmlns:p1510="http://schemas.microsoft.com/office/powerpoint/2015/10/main">
   <p1510:revLst>
-    <p1510:client id="{642BDD61-2093-2FBC-CF68-2E905F0D6CFA}" v="24" dt="2023-03-24T01:33:08.652"/>
+    <p1510:client id="{642BDD61-2093-2FBC-CF68-2E905F0D6CFA}" v="43" dt="2023-03-24T01:40:54.400"/>
     <p1510:client id="{9B30284F-08EF-417B-ACB9-6F3D85F58B58}" v="7" dt="2021-11-12T20:49:21.998"/>
   </p1510:revLst>
 </p1510:revInfo>
@@ -140,7 +140,7 @@
   <pc:docChgLst>
     <pc:chgData name="Sophie Sainsbury" userId="S::sainsburys@middleton.school.nz::c8cdf545-2649-4a79-852c-12c8634eec44" providerId="AD" clId="Web-{642BDD61-2093-2FBC-CF68-2E905F0D6CFA}"/>
     <pc:docChg chg="modSld">
-      <pc:chgData name="Sophie Sainsbury" userId="S::sainsburys@middleton.school.nz::c8cdf545-2649-4a79-852c-12c8634eec44" providerId="AD" clId="Web-{642BDD61-2093-2FBC-CF68-2E905F0D6CFA}" dt="2023-03-24T01:33:05.684" v="5" actId="20577"/>
+      <pc:chgData name="Sophie Sainsbury" userId="S::sainsburys@middleton.school.nz::c8cdf545-2649-4a79-852c-12c8634eec44" providerId="AD" clId="Web-{642BDD61-2093-2FBC-CF68-2E905F0D6CFA}" dt="2023-03-24T01:40:54.400" v="24" actId="20577"/>
       <pc:docMkLst>
         <pc:docMk/>
       </pc:docMkLst>
@@ -156,6 +156,21 @@
             <pc:docMk/>
             <pc:sldMk cId="1362934084" sldId="256"/>
             <ac:spMk id="3" creationId="{930E6464-DA98-43C8-B6C9-594748754628}"/>
+          </ac:spMkLst>
+        </pc:spChg>
+      </pc:sldChg>
+      <pc:sldChg chg="modSp">
+        <pc:chgData name="Sophie Sainsbury" userId="S::sainsburys@middleton.school.nz::c8cdf545-2649-4a79-852c-12c8634eec44" providerId="AD" clId="Web-{642BDD61-2093-2FBC-CF68-2E905F0D6CFA}" dt="2023-03-24T01:40:54.400" v="24" actId="20577"/>
+        <pc:sldMkLst>
+          <pc:docMk/>
+          <pc:sldMk cId="3838895173" sldId="258"/>
+        </pc:sldMkLst>
+        <pc:spChg chg="mod">
+          <ac:chgData name="Sophie Sainsbury" userId="S::sainsburys@middleton.school.nz::c8cdf545-2649-4a79-852c-12c8634eec44" providerId="AD" clId="Web-{642BDD61-2093-2FBC-CF68-2E905F0D6CFA}" dt="2023-03-24T01:40:54.400" v="24" actId="20577"/>
+          <ac:spMkLst>
+            <pc:docMk/>
+            <pc:sldMk cId="3838895173" sldId="258"/>
+            <ac:spMk id="2" creationId="{0D168B5A-EFF4-4803-8DA6-5994B306EBAF}"/>
           </ac:spMkLst>
         </pc:spChg>
       </pc:sldChg>
@@ -583,7 +598,7 @@
           <a:lstStyle/>
           <a:p>
             <a:r>
-              <a:rPr lang="en-NZ" dirty="0"/>
+              <a:rPr lang="en-NZ"/>
               <a:t>Additional rows can be added by clicking in the last cell and then using the Tab key </a:t>
             </a:r>
           </a:p>
@@ -687,11 +702,11 @@
               <a:defRPr/>
             </a:pPr>
             <a:r>
-              <a:rPr lang="en-NZ" i="1" dirty="0"/>
+              <a:rPr lang="en-NZ" i="1"/>
               <a:t>Paste screenshots of your initial Trello board / task decomposition on this slide.  If you have a long list, you might need to break it up into several slides. </a:t>
             </a:r>
             <a:r>
-              <a:rPr lang="en-NZ" dirty="0">
+              <a:rPr lang="en-NZ">
                 <a:latin typeface="Arial" panose="020B0604020202020204" pitchFamily="34" charset="0"/>
                 <a:ea typeface="Arial" panose="020B0604020202020204" pitchFamily="34" charset="0"/>
               </a:rPr>
@@ -716,10 +731,10 @@
               <a:tabLst/>
               <a:defRPr/>
             </a:pPr>
-            <a:endParaRPr lang="en-NZ" dirty="0"/>
-          </a:p>
-          <a:p>
-            <a:endParaRPr lang="en-NZ" dirty="0"/>
+            <a:endParaRPr lang="en-NZ"/>
+          </a:p>
+          <a:p>
+            <a:endParaRPr lang="en-NZ"/>
           </a:p>
         </p:txBody>
       </p:sp>
@@ -964,7 +979,7 @@
               <a:defRPr/>
             </a:pPr>
             <a:r>
-              <a:rPr lang="en-NZ" dirty="0"/>
+              <a:rPr lang="en-NZ"/>
               <a:t>Additional rows can be added by clicking in the last cell and then using the Tab key </a:t>
             </a:r>
           </a:p>
@@ -978,7 +993,7 @@
               </a:spcAft>
               <a:buNone/>
             </a:pPr>
-            <a:endParaRPr dirty="0"/>
+            <a:endParaRPr/>
           </a:p>
         </p:txBody>
       </p:sp>
@@ -1035,24 +1050,24 @@
           <a:lstStyle/>
           <a:p>
             <a:r>
-              <a:rPr lang="en-NZ" i="1" dirty="0"/>
+              <a:rPr lang="en-NZ" i="1"/>
               <a:t>NOTE: Trialling needs to happen for </a:t>
             </a:r>
             <a:r>
-              <a:rPr lang="en-NZ" b="1" i="1" dirty="0"/>
+              <a:rPr lang="en-NZ" b="1" i="1"/>
               <a:t>at least 2 </a:t>
             </a:r>
             <a:r>
-              <a:rPr lang="en-NZ" i="1" dirty="0"/>
+              <a:rPr lang="en-NZ" i="1"/>
               <a:t>of your components but is not necessary for ALL components.</a:t>
             </a:r>
           </a:p>
           <a:p>
             <a:r>
-              <a:rPr lang="en" i="1" dirty="0"/>
+              <a:rPr lang="en" i="1"/>
               <a:t>Trialling is not the same as testing. Trialling is about finding different ways of building the same component. Show evidence of  your trialling  here. Select one of your trials for further development and give reasons for your choice. </a:t>
             </a:r>
-            <a:endParaRPr lang="en-NZ" dirty="0"/>
+            <a:endParaRPr lang="en-NZ"/>
           </a:p>
         </p:txBody>
       </p:sp>
@@ -1142,13 +1157,13 @@
               </a:lnSpc>
             </a:pPr>
             <a:r>
-              <a:rPr lang="en-NZ" i="1" dirty="0">
+              <a:rPr lang="en-NZ" i="1">
                 <a:latin typeface="Arial" panose="020B0604020202020204" pitchFamily="34" charset="0"/>
                 <a:ea typeface="Arial" panose="020B0604020202020204" pitchFamily="34" charset="0"/>
               </a:rPr>
               <a:t>You must show the results of testing. For each component, include a screenshot proving it works.  You can also include notes about each test. </a:t>
             </a:r>
-            <a:endParaRPr lang="en-NZ" dirty="0">
+            <a:endParaRPr lang="en-NZ">
               <a:latin typeface="Arial" panose="020B0604020202020204" pitchFamily="34" charset="0"/>
               <a:ea typeface="Arial" panose="020B0604020202020204" pitchFamily="34" charset="0"/>
             </a:endParaRPr>
@@ -1253,13 +1268,13 @@
               <a:defRPr/>
             </a:pPr>
             <a:r>
-              <a:rPr lang="en-NZ" i="1" dirty="0">
+              <a:rPr lang="en-NZ" i="1">
                 <a:latin typeface="Arial" panose="020B0604020202020204" pitchFamily="34" charset="0"/>
                 <a:ea typeface="Arial" panose="020B0604020202020204" pitchFamily="34" charset="0"/>
               </a:rPr>
               <a:t>Show testing for your assembled outcome below.  This should include a test plan followed by screenshot proof.  </a:t>
             </a:r>
-            <a:endParaRPr lang="en-NZ" dirty="0"/>
+            <a:endParaRPr lang="en-NZ"/>
           </a:p>
         </p:txBody>
       </p:sp>
@@ -1361,19 +1376,19 @@
               <a:defRPr/>
             </a:pPr>
             <a:r>
-              <a:rPr lang="en-NZ" i="1" dirty="0">
+              <a:rPr lang="en-NZ" i="1">
                 <a:latin typeface="Arial" panose="020B0604020202020204" pitchFamily="34" charset="0"/>
                 <a:ea typeface="Arial" panose="020B0604020202020204" pitchFamily="34" charset="0"/>
               </a:rPr>
               <a:t>Your version control evidence should go here.  This could be in the form of screenshots (both of your GitHub repository as well as your local project folder) as evidence of your incremental development.</a:t>
             </a:r>
-            <a:endParaRPr lang="en-NZ" dirty="0">
+            <a:endParaRPr lang="en-NZ">
               <a:latin typeface="Arial" panose="020B0604020202020204" pitchFamily="34" charset="0"/>
               <a:ea typeface="Arial" panose="020B0604020202020204" pitchFamily="34" charset="0"/>
             </a:endParaRPr>
           </a:p>
           <a:p>
-            <a:endParaRPr lang="en-NZ" dirty="0"/>
+            <a:endParaRPr lang="en-NZ"/>
           </a:p>
         </p:txBody>
       </p:sp>
@@ -1475,14 +1490,14 @@
               <a:defRPr/>
             </a:pPr>
             <a:r>
-              <a:rPr lang="en-NZ" i="1" dirty="0">
+              <a:rPr lang="en-NZ" i="1">
                 <a:latin typeface="Arial" panose="020B0604020202020204" pitchFamily="34" charset="0"/>
               </a:rPr>
               <a:t>Discuss how the information from planning, testing and trialling of components assisted in the development of a high-quality outcome.</a:t>
             </a:r>
           </a:p>
           <a:p>
-            <a:endParaRPr lang="en-NZ" dirty="0"/>
+            <a:endParaRPr lang="en-NZ"/>
           </a:p>
         </p:txBody>
       </p:sp>
@@ -1673,7 +1688,7 @@
               <a:rPr lang="en-NZ" smtClean="0"/>
               <a:t>23/03/2023</a:t>
             </a:fld>
-            <a:endParaRPr lang="en-NZ" dirty="0"/>
+            <a:endParaRPr lang="en-NZ"/>
           </a:p>
         </p:txBody>
       </p:sp>
@@ -1698,7 +1713,7 @@
           <a:bodyPr/>
           <a:lstStyle/>
           <a:p>
-            <a:endParaRPr lang="en-NZ" dirty="0"/>
+            <a:endParaRPr lang="en-NZ"/>
           </a:p>
         </p:txBody>
       </p:sp>
@@ -1727,7 +1742,7 @@
               <a:rPr lang="en-NZ" smtClean="0"/>
               <a:t>‹#›</a:t>
             </a:fld>
-            <a:endParaRPr lang="en-NZ" dirty="0"/>
+            <a:endParaRPr lang="en-NZ"/>
           </a:p>
         </p:txBody>
       </p:sp>
@@ -1873,7 +1888,7 @@
               <a:rPr lang="en-NZ" smtClean="0"/>
               <a:t>23/03/2023</a:t>
             </a:fld>
-            <a:endParaRPr lang="en-NZ" dirty="0"/>
+            <a:endParaRPr lang="en-NZ"/>
           </a:p>
         </p:txBody>
       </p:sp>
@@ -1898,7 +1913,7 @@
           <a:bodyPr/>
           <a:lstStyle/>
           <a:p>
-            <a:endParaRPr lang="en-NZ" dirty="0"/>
+            <a:endParaRPr lang="en-NZ"/>
           </a:p>
         </p:txBody>
       </p:sp>
@@ -1927,7 +1942,7 @@
               <a:rPr lang="en-NZ" smtClean="0"/>
               <a:t>‹#›</a:t>
             </a:fld>
-            <a:endParaRPr lang="en-NZ" dirty="0"/>
+            <a:endParaRPr lang="en-NZ"/>
           </a:p>
         </p:txBody>
       </p:sp>
@@ -2083,7 +2098,7 @@
               <a:rPr lang="en-NZ" smtClean="0"/>
               <a:t>23/03/2023</a:t>
             </a:fld>
-            <a:endParaRPr lang="en-NZ" dirty="0"/>
+            <a:endParaRPr lang="en-NZ"/>
           </a:p>
         </p:txBody>
       </p:sp>
@@ -2108,7 +2123,7 @@
           <a:bodyPr/>
           <a:lstStyle/>
           <a:p>
-            <a:endParaRPr lang="en-NZ" dirty="0"/>
+            <a:endParaRPr lang="en-NZ"/>
           </a:p>
         </p:txBody>
       </p:sp>
@@ -2137,7 +2152,7 @@
               <a:rPr lang="en-NZ" smtClean="0"/>
               <a:t>‹#›</a:t>
             </a:fld>
-            <a:endParaRPr lang="en-NZ" dirty="0"/>
+            <a:endParaRPr lang="en-NZ"/>
           </a:p>
         </p:txBody>
       </p:sp>
@@ -2642,7 +2657,7 @@
               <a:rPr lang="en-NZ" smtClean="0"/>
               <a:t>23/03/2023</a:t>
             </a:fld>
-            <a:endParaRPr lang="en-NZ" dirty="0"/>
+            <a:endParaRPr lang="en-NZ"/>
           </a:p>
         </p:txBody>
       </p:sp>
@@ -2667,7 +2682,7 @@
           <a:bodyPr/>
           <a:lstStyle/>
           <a:p>
-            <a:endParaRPr lang="en-NZ" dirty="0"/>
+            <a:endParaRPr lang="en-NZ"/>
           </a:p>
         </p:txBody>
       </p:sp>
@@ -2696,7 +2711,7 @@
               <a:rPr lang="en-NZ" smtClean="0"/>
               <a:t>‹#›</a:t>
             </a:fld>
-            <a:endParaRPr lang="en-NZ" dirty="0"/>
+            <a:endParaRPr lang="en-NZ"/>
           </a:p>
         </p:txBody>
       </p:sp>
@@ -2918,7 +2933,7 @@
               <a:rPr lang="en-NZ" smtClean="0"/>
               <a:t>23/03/2023</a:t>
             </a:fld>
-            <a:endParaRPr lang="en-NZ" dirty="0"/>
+            <a:endParaRPr lang="en-NZ"/>
           </a:p>
         </p:txBody>
       </p:sp>
@@ -2943,7 +2958,7 @@
           <a:bodyPr/>
           <a:lstStyle/>
           <a:p>
-            <a:endParaRPr lang="en-NZ" dirty="0"/>
+            <a:endParaRPr lang="en-NZ"/>
           </a:p>
         </p:txBody>
       </p:sp>
@@ -2972,7 +2987,7 @@
               <a:rPr lang="en-NZ" smtClean="0"/>
               <a:t>‹#›</a:t>
             </a:fld>
-            <a:endParaRPr lang="en-NZ" dirty="0"/>
+            <a:endParaRPr lang="en-NZ"/>
           </a:p>
         </p:txBody>
       </p:sp>
@@ -3186,7 +3201,7 @@
               <a:rPr lang="en-NZ" smtClean="0"/>
               <a:t>23/03/2023</a:t>
             </a:fld>
-            <a:endParaRPr lang="en-NZ" dirty="0"/>
+            <a:endParaRPr lang="en-NZ"/>
           </a:p>
         </p:txBody>
       </p:sp>
@@ -3211,7 +3226,7 @@
           <a:bodyPr/>
           <a:lstStyle/>
           <a:p>
-            <a:endParaRPr lang="en-NZ" dirty="0"/>
+            <a:endParaRPr lang="en-NZ"/>
           </a:p>
         </p:txBody>
       </p:sp>
@@ -3240,7 +3255,7 @@
               <a:rPr lang="en-NZ" smtClean="0"/>
               <a:t>‹#›</a:t>
             </a:fld>
-            <a:endParaRPr lang="en-NZ" dirty="0"/>
+            <a:endParaRPr lang="en-NZ"/>
           </a:p>
         </p:txBody>
       </p:sp>
@@ -3601,7 +3616,7 @@
               <a:rPr lang="en-NZ" smtClean="0"/>
               <a:t>23/03/2023</a:t>
             </a:fld>
-            <a:endParaRPr lang="en-NZ" dirty="0"/>
+            <a:endParaRPr lang="en-NZ"/>
           </a:p>
         </p:txBody>
       </p:sp>
@@ -3626,7 +3641,7 @@
           <a:bodyPr/>
           <a:lstStyle/>
           <a:p>
-            <a:endParaRPr lang="en-NZ" dirty="0"/>
+            <a:endParaRPr lang="en-NZ"/>
           </a:p>
         </p:txBody>
       </p:sp>
@@ -3655,7 +3670,7 @@
               <a:rPr lang="en-NZ" smtClean="0"/>
               <a:t>‹#›</a:t>
             </a:fld>
-            <a:endParaRPr lang="en-NZ" dirty="0"/>
+            <a:endParaRPr lang="en-NZ"/>
           </a:p>
         </p:txBody>
       </p:sp>
@@ -3743,7 +3758,7 @@
               <a:rPr lang="en-NZ" smtClean="0"/>
               <a:t>23/03/2023</a:t>
             </a:fld>
-            <a:endParaRPr lang="en-NZ" dirty="0"/>
+            <a:endParaRPr lang="en-NZ"/>
           </a:p>
         </p:txBody>
       </p:sp>
@@ -3768,7 +3783,7 @@
           <a:bodyPr/>
           <a:lstStyle/>
           <a:p>
-            <a:endParaRPr lang="en-NZ" dirty="0"/>
+            <a:endParaRPr lang="en-NZ"/>
           </a:p>
         </p:txBody>
       </p:sp>
@@ -3797,7 +3812,7 @@
               <a:rPr lang="en-NZ" smtClean="0"/>
               <a:t>‹#›</a:t>
             </a:fld>
-            <a:endParaRPr lang="en-NZ" dirty="0"/>
+            <a:endParaRPr lang="en-NZ"/>
           </a:p>
         </p:txBody>
       </p:sp>
@@ -3856,7 +3871,7 @@
               <a:rPr lang="en-NZ" smtClean="0"/>
               <a:t>23/03/2023</a:t>
             </a:fld>
-            <a:endParaRPr lang="en-NZ" dirty="0"/>
+            <a:endParaRPr lang="en-NZ"/>
           </a:p>
         </p:txBody>
       </p:sp>
@@ -3881,7 +3896,7 @@
           <a:bodyPr/>
           <a:lstStyle/>
           <a:p>
-            <a:endParaRPr lang="en-NZ" dirty="0"/>
+            <a:endParaRPr lang="en-NZ"/>
           </a:p>
         </p:txBody>
       </p:sp>
@@ -3910,7 +3925,7 @@
               <a:rPr lang="en-NZ" smtClean="0"/>
               <a:t>‹#›</a:t>
             </a:fld>
-            <a:endParaRPr lang="en-NZ" dirty="0"/>
+            <a:endParaRPr lang="en-NZ"/>
           </a:p>
         </p:txBody>
       </p:sp>
@@ -4169,7 +4184,7 @@
               <a:rPr lang="en-NZ" smtClean="0"/>
               <a:t>23/03/2023</a:t>
             </a:fld>
-            <a:endParaRPr lang="en-NZ" dirty="0"/>
+            <a:endParaRPr lang="en-NZ"/>
           </a:p>
         </p:txBody>
       </p:sp>
@@ -4194,7 +4209,7 @@
           <a:bodyPr/>
           <a:lstStyle/>
           <a:p>
-            <a:endParaRPr lang="en-NZ" dirty="0"/>
+            <a:endParaRPr lang="en-NZ"/>
           </a:p>
         </p:txBody>
       </p:sp>
@@ -4223,7 +4238,7 @@
               <a:rPr lang="en-NZ" smtClean="0"/>
               <a:t>‹#›</a:t>
             </a:fld>
-            <a:endParaRPr lang="en-NZ" dirty="0"/>
+            <a:endParaRPr lang="en-NZ"/>
           </a:p>
         </p:txBody>
       </p:sp>
@@ -4358,7 +4373,7 @@
             </a:lvl9pPr>
           </a:lstStyle>
           <a:p>
-            <a:endParaRPr lang="en-NZ" dirty="0"/>
+            <a:endParaRPr lang="en-NZ"/>
           </a:p>
         </p:txBody>
       </p:sp>
@@ -4458,7 +4473,7 @@
               <a:rPr lang="en-NZ" smtClean="0"/>
               <a:t>23/03/2023</a:t>
             </a:fld>
-            <a:endParaRPr lang="en-NZ" dirty="0"/>
+            <a:endParaRPr lang="en-NZ"/>
           </a:p>
         </p:txBody>
       </p:sp>
@@ -4483,7 +4498,7 @@
           <a:bodyPr/>
           <a:lstStyle/>
           <a:p>
-            <a:endParaRPr lang="en-NZ" dirty="0"/>
+            <a:endParaRPr lang="en-NZ"/>
           </a:p>
         </p:txBody>
       </p:sp>
@@ -4512,7 +4527,7 @@
               <a:rPr lang="en-NZ" smtClean="0"/>
               <a:t>‹#›</a:t>
             </a:fld>
-            <a:endParaRPr lang="en-NZ" dirty="0"/>
+            <a:endParaRPr lang="en-NZ"/>
           </a:p>
         </p:txBody>
       </p:sp>
@@ -4701,7 +4716,7 @@
               <a:rPr lang="en-NZ" smtClean="0"/>
               <a:t>23/03/2023</a:t>
             </a:fld>
-            <a:endParaRPr lang="en-NZ" dirty="0"/>
+            <a:endParaRPr lang="en-NZ"/>
           </a:p>
         </p:txBody>
       </p:sp>
@@ -4744,7 +4759,7 @@
             </a:lvl1pPr>
           </a:lstStyle>
           <a:p>
-            <a:endParaRPr lang="en-NZ" dirty="0"/>
+            <a:endParaRPr lang="en-NZ"/>
           </a:p>
         </p:txBody>
       </p:sp>
@@ -4791,7 +4806,7 @@
               <a:rPr lang="en-NZ" smtClean="0"/>
               <a:t>‹#›</a:t>
             </a:fld>
-            <a:endParaRPr lang="en-NZ" dirty="0"/>
+            <a:endParaRPr lang="en-NZ"/>
           </a:p>
         </p:txBody>
       </p:sp>
@@ -5141,7 +5156,7 @@
           <a:lstStyle/>
           <a:p>
             <a:r>
-              <a:rPr lang="en-NZ" dirty="0"/>
+              <a:rPr lang="en-NZ"/>
               <a:t>AS91883(1.7) &amp; AS91884(1.8) Documentation</a:t>
             </a:r>
           </a:p>
@@ -5170,14 +5185,14 @@
           </a:bodyPr>
           <a:lstStyle/>
           <a:p>
-            <a:endParaRPr lang="en-NZ" b="1" dirty="0"/>
-          </a:p>
-          <a:p>
-            <a:r>
-              <a:rPr lang="en-NZ" b="1" dirty="0"/>
+            <a:endParaRPr lang="en-NZ" b="1"/>
+          </a:p>
+          <a:p>
+            <a:r>
+              <a:rPr lang="en-NZ" b="1"/>
               <a:t>[Sophie Sainsbury]</a:t>
             </a:r>
-            <a:endParaRPr lang="en-NZ" b="1" dirty="0">
+            <a:endParaRPr lang="en-NZ" b="1">
               <a:cs typeface="Calibri"/>
             </a:endParaRPr>
           </a:p>
@@ -5250,7 +5265,7 @@
               </a:spcAft>
             </a:pPr>
             <a:r>
-              <a:rPr lang="en-NZ" sz="4000" dirty="0"/>
+              <a:rPr lang="en-NZ" sz="4000"/>
               <a:t>Address relevant Implications:</a:t>
             </a:r>
           </a:p>
@@ -5309,7 +5324,7 @@
                     <a:lstStyle/>
                     <a:p>
                       <a:r>
-                        <a:rPr lang="en-NZ" dirty="0"/>
+                        <a:rPr lang="en-NZ"/>
                         <a:t>Relevant implication</a:t>
                       </a:r>
                     </a:p>
@@ -5322,15 +5337,15 @@
                     <a:lstStyle/>
                     <a:p>
                       <a:r>
-                        <a:rPr lang="en-NZ" dirty="0"/>
+                        <a:rPr lang="en-NZ"/>
                         <a:t>Explain how your final outcome </a:t>
                       </a:r>
                       <a:r>
-                        <a:rPr lang="en-NZ" b="1" i="1" dirty="0"/>
+                        <a:rPr lang="en-NZ" b="1" i="1"/>
                         <a:t>addresses</a:t>
                       </a:r>
                       <a:r>
-                        <a:rPr lang="en-NZ" dirty="0"/>
+                        <a:rPr lang="en-NZ"/>
                         <a:t> each implication</a:t>
                       </a:r>
                     </a:p>
@@ -5349,7 +5364,7 @@
                     <a:bodyPr/>
                     <a:lstStyle/>
                     <a:p>
-                      <a:endParaRPr lang="en-NZ" dirty="0"/>
+                      <a:endParaRPr lang="en-NZ"/>
                     </a:p>
                   </a:txBody>
                   <a:tcPr/>
@@ -5359,7 +5374,7 @@
                     <a:bodyPr/>
                     <a:lstStyle/>
                     <a:p>
-                      <a:endParaRPr lang="en-NZ" dirty="0"/>
+                      <a:endParaRPr lang="en-NZ"/>
                     </a:p>
                   </a:txBody>
                   <a:tcPr/>
@@ -5376,7 +5391,7 @@
                     <a:bodyPr/>
                     <a:lstStyle/>
                     <a:p>
-                      <a:endParaRPr lang="en-NZ" dirty="0"/>
+                      <a:endParaRPr lang="en-NZ"/>
                     </a:p>
                   </a:txBody>
                   <a:tcPr/>
@@ -5386,7 +5401,7 @@
                     <a:bodyPr/>
                     <a:lstStyle/>
                     <a:p>
-                      <a:endParaRPr lang="en-NZ" dirty="0"/>
+                      <a:endParaRPr lang="en-NZ"/>
                     </a:p>
                   </a:txBody>
                   <a:tcPr/>
@@ -5403,7 +5418,7 @@
                     <a:bodyPr/>
                     <a:lstStyle/>
                     <a:p>
-                      <a:endParaRPr lang="en-NZ" dirty="0"/>
+                      <a:endParaRPr lang="en-NZ"/>
                     </a:p>
                   </a:txBody>
                   <a:tcPr/>
@@ -5413,7 +5428,7 @@
                     <a:bodyPr/>
                     <a:lstStyle/>
                     <a:p>
-                      <a:endParaRPr lang="en-NZ" dirty="0"/>
+                      <a:endParaRPr lang="en-NZ"/>
                     </a:p>
                   </a:txBody>
                   <a:tcPr/>
@@ -5430,7 +5445,7 @@
                     <a:bodyPr/>
                     <a:lstStyle/>
                     <a:p>
-                      <a:endParaRPr lang="en-NZ" dirty="0"/>
+                      <a:endParaRPr lang="en-NZ"/>
                     </a:p>
                   </a:txBody>
                   <a:tcPr/>
@@ -5440,7 +5455,7 @@
                     <a:bodyPr/>
                     <a:lstStyle/>
                     <a:p>
-                      <a:endParaRPr lang="en-NZ" dirty="0"/>
+                      <a:endParaRPr lang="en-NZ"/>
                     </a:p>
                   </a:txBody>
                   <a:tcPr/>
@@ -5514,7 +5529,7 @@
           <a:lstStyle/>
           <a:p>
             <a:r>
-              <a:rPr lang="en-NZ" sz="4000" dirty="0"/>
+              <a:rPr lang="en-NZ" sz="4000"/>
               <a:t>Version Control Evidence:</a:t>
             </a:r>
           </a:p>
@@ -5556,13 +5571,13 @@
               </a:spcAft>
             </a:pPr>
             <a:r>
-              <a:rPr lang="en-NZ" i="1" dirty="0">
+              <a:rPr lang="en-NZ" i="1">
                 <a:latin typeface="Arial" panose="020B0604020202020204" pitchFamily="34" charset="0"/>
                 <a:ea typeface="Arial" panose="020B0604020202020204" pitchFamily="34" charset="0"/>
               </a:rPr>
               <a:t>Your version control evidence should go here.  This could be in the form of screenshots (both of your GitHub repository as well as your local project folder) as evidence of your incremental development.</a:t>
             </a:r>
-            <a:endParaRPr lang="en-NZ" dirty="0">
+            <a:endParaRPr lang="en-NZ">
               <a:latin typeface="Arial" panose="020B0604020202020204" pitchFamily="34" charset="0"/>
               <a:ea typeface="Arial" panose="020B0604020202020204" pitchFamily="34" charset="0"/>
             </a:endParaRPr>
@@ -5628,7 +5643,7 @@
           <a:lstStyle/>
           <a:p>
             <a:r>
-              <a:rPr lang="en-NZ" sz="4000" dirty="0"/>
+              <a:rPr lang="en-NZ" sz="4000"/>
               <a:t>Final Discussion:</a:t>
             </a:r>
           </a:p>
@@ -5662,7 +5677,7 @@
           <a:lstStyle/>
           <a:p>
             <a:r>
-              <a:rPr lang="en-NZ" i="1" dirty="0">
+              <a:rPr lang="en-NZ" i="1">
                 <a:latin typeface="Arial" panose="020B0604020202020204" pitchFamily="34" charset="0"/>
               </a:rPr>
               <a:t>Discuss how the information from planning, testing and trialling of components assisted in the development of a high-quality outcome.</a:t>
@@ -5722,10 +5737,10 @@
           <a:lstStyle/>
           <a:p>
             <a:r>
-              <a:rPr lang="en-NZ" b="1" dirty="0"/>
-              <a:t>[Overtype this with your program name]</a:t>
-            </a:r>
-            <a:endParaRPr lang="en-NZ" dirty="0"/>
+              <a:rPr lang="en-NZ" b="1"/>
+              <a:t>[Lucky Unicorn Project]</a:t>
+            </a:r>
+            <a:endParaRPr lang="en-NZ"/>
           </a:p>
         </p:txBody>
       </p:sp>
@@ -5948,7 +5963,7 @@
               <a:buNone/>
             </a:pPr>
             <a:r>
-              <a:rPr lang="en-NZ" sz="2000" b="1" dirty="0">
+              <a:rPr lang="en-NZ" sz="2000" b="1">
                 <a:solidFill>
                   <a:srgbClr val="274E13"/>
                 </a:solidFill>
@@ -5971,7 +5986,7 @@
               <a:buFont typeface="Arial"/>
               <a:buNone/>
             </a:pPr>
-            <a:endParaRPr lang="en-NZ" sz="2000" dirty="0">
+            <a:endParaRPr lang="en-NZ" sz="2000">
               <a:solidFill>
                 <a:srgbClr val="274E13"/>
               </a:solidFill>
@@ -5992,7 +6007,7 @@
               <a:buNone/>
             </a:pPr>
             <a:r>
-              <a:rPr lang="en-NZ" sz="2000" b="1" dirty="0">
+              <a:rPr lang="en-NZ" sz="2000" b="1">
                 <a:solidFill>
                   <a:srgbClr val="274E13"/>
                 </a:solidFill>
@@ -6014,7 +6029,7 @@
               <a:buSzPts val="1100"/>
               <a:buNone/>
             </a:pPr>
-            <a:endParaRPr lang="en-NZ" sz="2000" b="1" dirty="0">
+            <a:endParaRPr lang="en-NZ" sz="2000" b="1">
               <a:solidFill>
                 <a:srgbClr val="274E13"/>
               </a:solidFill>
@@ -6035,7 +6050,7 @@
               <a:buNone/>
             </a:pPr>
             <a:r>
-              <a:rPr lang="en-NZ" sz="2000" b="1" dirty="0">
+              <a:rPr lang="en-NZ" sz="2000" b="1">
                 <a:solidFill>
                   <a:srgbClr val="274E13"/>
                 </a:solidFill>
@@ -6059,14 +6074,14 @@
               <a:buNone/>
             </a:pPr>
             <a:r>
-              <a:rPr lang="en-NZ" sz="2000" b="1" dirty="0">
+              <a:rPr lang="en-NZ" sz="2000" b="1">
                 <a:solidFill>
                   <a:srgbClr val="274E13"/>
                 </a:solidFill>
               </a:rPr>
               <a:t> </a:t>
             </a:r>
-            <a:endParaRPr lang="en-NZ" sz="2000" dirty="0"/>
+            <a:endParaRPr lang="en-NZ" sz="2000"/>
           </a:p>
         </p:txBody>
       </p:sp>
@@ -6126,7 +6141,7 @@
                         <a:buNone/>
                       </a:pPr>
                       <a:r>
-                        <a:rPr lang="en" sz="2000" b="1" i="1" dirty="0">
+                        <a:rPr lang="en" sz="2000" b="1" i="1">
                           <a:solidFill>
                             <a:srgbClr val="990000"/>
                           </a:solidFill>
@@ -6147,7 +6162,7 @@
                         </a:spcAft>
                         <a:buNone/>
                       </a:pPr>
-                      <a:endParaRPr lang="en" sz="2000" b="1" i="1" dirty="0">
+                      <a:endParaRPr lang="en" sz="2000" b="1" i="1">
                         <a:solidFill>
                           <a:srgbClr val="990000"/>
                         </a:solidFill>
@@ -6167,14 +6182,14 @@
                         <a:buNone/>
                       </a:pPr>
                       <a:r>
-                        <a:rPr lang="en" sz="2000" b="1" i="1" dirty="0">
+                        <a:rPr lang="en" sz="2000" b="1" i="1">
                           <a:solidFill>
                             <a:srgbClr val="990000"/>
                           </a:solidFill>
                         </a:rPr>
                         <a:t>The link to your program is the final outcome of this whole project – your finished program.</a:t>
                       </a:r>
-                      <a:endParaRPr sz="2000" b="1" i="1" dirty="0">
+                      <a:endParaRPr sz="2000" b="1" i="1">
                         <a:solidFill>
                           <a:srgbClr val="990000"/>
                         </a:solidFill>
@@ -6264,7 +6279,7 @@
               </a:spcAft>
             </a:pPr>
             <a:r>
-              <a:rPr lang="en-NZ" dirty="0"/>
+              <a:rPr lang="en-NZ"/>
               <a:t>Describe relevant Implications:</a:t>
             </a:r>
           </a:p>
@@ -6315,7 +6330,7 @@
               <a:defRPr/>
             </a:pPr>
             <a:r>
-              <a:rPr lang="en-NZ" i="1" dirty="0"/>
+              <a:rPr lang="en-NZ" i="1"/>
               <a:t>Additional rows can be added by clicking in the last cell and then using the Tab key </a:t>
             </a:r>
           </a:p>
@@ -6374,7 +6389,7 @@
                     <a:lstStyle/>
                     <a:p>
                       <a:r>
-                        <a:rPr lang="en-NZ" dirty="0"/>
+                        <a:rPr lang="en-NZ"/>
                         <a:t>Relevant implication</a:t>
                       </a:r>
                     </a:p>
@@ -6387,7 +6402,7 @@
                     <a:lstStyle/>
                     <a:p>
                       <a:r>
-                        <a:rPr lang="en-NZ" dirty="0"/>
+                        <a:rPr lang="en-NZ"/>
                         <a:t>Describe the implication and give an example</a:t>
                       </a:r>
                     </a:p>
@@ -6406,7 +6421,7 @@
                     <a:bodyPr/>
                     <a:lstStyle/>
                     <a:p>
-                      <a:endParaRPr lang="en-NZ" dirty="0"/>
+                      <a:endParaRPr lang="en-NZ"/>
                     </a:p>
                   </a:txBody>
                   <a:tcPr/>
@@ -6416,7 +6431,7 @@
                     <a:bodyPr/>
                     <a:lstStyle/>
                     <a:p>
-                      <a:endParaRPr lang="en-NZ" dirty="0"/>
+                      <a:endParaRPr lang="en-NZ"/>
                     </a:p>
                   </a:txBody>
                   <a:tcPr/>
@@ -6433,7 +6448,7 @@
                     <a:bodyPr/>
                     <a:lstStyle/>
                     <a:p>
-                      <a:endParaRPr lang="en-NZ" dirty="0"/>
+                      <a:endParaRPr lang="en-NZ"/>
                     </a:p>
                   </a:txBody>
                   <a:tcPr/>
@@ -6443,7 +6458,7 @@
                     <a:bodyPr/>
                     <a:lstStyle/>
                     <a:p>
-                      <a:endParaRPr lang="en-NZ" dirty="0"/>
+                      <a:endParaRPr lang="en-NZ"/>
                     </a:p>
                   </a:txBody>
                   <a:tcPr/>
@@ -6460,7 +6475,7 @@
                     <a:bodyPr/>
                     <a:lstStyle/>
                     <a:p>
-                      <a:endParaRPr lang="en-NZ" dirty="0"/>
+                      <a:endParaRPr lang="en-NZ"/>
                     </a:p>
                   </a:txBody>
                   <a:tcPr/>
@@ -6470,7 +6485,7 @@
                     <a:bodyPr/>
                     <a:lstStyle/>
                     <a:p>
-                      <a:endParaRPr lang="en-NZ" dirty="0"/>
+                      <a:endParaRPr lang="en-NZ"/>
                     </a:p>
                   </a:txBody>
                   <a:tcPr/>
@@ -6487,7 +6502,7 @@
                     <a:bodyPr/>
                     <a:lstStyle/>
                     <a:p>
-                      <a:endParaRPr lang="en-NZ" dirty="0"/>
+                      <a:endParaRPr lang="en-NZ"/>
                     </a:p>
                   </a:txBody>
                   <a:tcPr/>
@@ -6497,7 +6512,7 @@
                     <a:bodyPr/>
                     <a:lstStyle/>
                     <a:p>
-                      <a:endParaRPr lang="en-NZ" dirty="0"/>
+                      <a:endParaRPr lang="en-NZ"/>
                     </a:p>
                   </a:txBody>
                   <a:tcPr/>
@@ -6571,7 +6586,7 @@
           <a:lstStyle/>
           <a:p>
             <a:r>
-              <a:rPr lang="en-NZ" sz="4000" dirty="0"/>
+              <a:rPr lang="en-NZ" sz="4000"/>
               <a:t>Decomposition:</a:t>
             </a:r>
           </a:p>
@@ -6610,11 +6625,11 @@
               </a:lnSpc>
             </a:pPr>
             <a:r>
-              <a:rPr lang="en-NZ" i="1" dirty="0"/>
+              <a:rPr lang="en-NZ" i="1"/>
               <a:t>Paste screenshots of your initial Trello board / task decomposition on this slide.  If you have a long list, you might need to break it up into several slides. </a:t>
             </a:r>
             <a:r>
-              <a:rPr lang="en-NZ" dirty="0">
+              <a:rPr lang="en-NZ">
                 <a:latin typeface="Arial" panose="020B0604020202020204" pitchFamily="34" charset="0"/>
                 <a:ea typeface="Arial" panose="020B0604020202020204" pitchFamily="34" charset="0"/>
               </a:rPr>
@@ -6679,10 +6694,10 @@
           <a:lstStyle/>
           <a:p>
             <a:r>
-              <a:rPr lang="en" sz="4000" dirty="0"/>
+              <a:rPr lang="en" sz="4000"/>
               <a:t>[Component name] (Trello screenshot)</a:t>
             </a:r>
-            <a:endParaRPr sz="4000" dirty="0"/>
+            <a:endParaRPr sz="4000"/>
           </a:p>
         </p:txBody>
       </p:sp>
@@ -6737,10 +6752,10 @@
           <a:lstStyle/>
           <a:p>
             <a:r>
-              <a:rPr lang="en" sz="4000" dirty="0"/>
+              <a:rPr lang="en" sz="4000"/>
               <a:t>[Component name] - Test Plan</a:t>
             </a:r>
-            <a:endParaRPr sz="4000" dirty="0"/>
+            <a:endParaRPr sz="4000"/>
           </a:p>
         </p:txBody>
       </p:sp>
@@ -6798,10 +6813,10 @@
                         <a:buNone/>
                       </a:pPr>
                       <a:r>
-                        <a:rPr lang="en" sz="2400" b="1" dirty="0"/>
+                        <a:rPr lang="en" sz="2400" b="1"/>
                         <a:t>Test Cases - input</a:t>
                       </a:r>
-                      <a:endParaRPr sz="2400" b="1" dirty="0"/>
+                      <a:endParaRPr sz="2400" b="1"/>
                     </a:p>
                   </a:txBody>
                   <a:tcPr marL="121900" marR="121900" marT="121900" marB="121900">
@@ -6825,10 +6840,10 @@
                         <a:buNone/>
                       </a:pPr>
                       <a:r>
-                        <a:rPr lang="en" sz="2400" b="1" dirty="0"/>
+                        <a:rPr lang="en" sz="2400" b="1"/>
                         <a:t>Expected output</a:t>
                       </a:r>
-                      <a:endParaRPr sz="2400" b="1" dirty="0"/>
+                      <a:endParaRPr sz="2400" b="1"/>
                     </a:p>
                   </a:txBody>
                   <a:tcPr marL="121900" marR="121900" marT="121900" marB="121900">
@@ -6858,7 +6873,7 @@
                         </a:spcAft>
                         <a:buNone/>
                       </a:pPr>
-                      <a:endParaRPr sz="2400" dirty="0"/>
+                      <a:endParaRPr sz="2400"/>
                     </a:p>
                   </a:txBody>
                   <a:tcPr marL="121900" marR="121900" marT="121900" marB="121900"/>
@@ -6877,7 +6892,7 @@
                         </a:spcAft>
                         <a:buNone/>
                       </a:pPr>
-                      <a:endParaRPr sz="2400" dirty="0"/>
+                      <a:endParaRPr sz="2400"/>
                     </a:p>
                   </a:txBody>
                   <a:tcPr marL="121900" marR="121900" marT="121900" marB="121900"/>
@@ -6937,7 +6952,7 @@
               <a:defRPr/>
             </a:pPr>
             <a:r>
-              <a:rPr lang="en-NZ" i="1" dirty="0"/>
+              <a:rPr lang="en-NZ" i="1"/>
               <a:t>Additional rows can be added by clicking in the last cell and then using the Tab key </a:t>
             </a:r>
           </a:p>
@@ -6997,7 +7012,7 @@
           <a:lstStyle/>
           <a:p>
             <a:r>
-              <a:rPr lang="en-NZ" sz="4000" dirty="0"/>
+              <a:rPr lang="en-NZ" sz="4000"/>
               <a:t>[Component name]: Trialling </a:t>
             </a:r>
           </a:p>
@@ -7032,24 +7047,24 @@
           <a:lstStyle/>
           <a:p>
             <a:r>
-              <a:rPr lang="en-NZ" i="1" dirty="0"/>
+              <a:rPr lang="en-NZ" i="1"/>
               <a:t>NOTE: Trialling needs to happen for </a:t>
             </a:r>
             <a:r>
-              <a:rPr lang="en-NZ" b="1" i="1" dirty="0"/>
+              <a:rPr lang="en-NZ" b="1" i="1"/>
               <a:t>at least 2 </a:t>
             </a:r>
             <a:r>
-              <a:rPr lang="en-NZ" i="1" dirty="0"/>
+              <a:rPr lang="en-NZ" i="1"/>
               <a:t>of your components but is not necessary for ALL components.</a:t>
             </a:r>
           </a:p>
           <a:p>
             <a:r>
-              <a:rPr lang="en" i="1" dirty="0"/>
+              <a:rPr lang="en" i="1"/>
               <a:t>Trialling is not the same as testing. Trialling is about finding different ways of building the same component. Show evidence of  your trialling  here. Select one of your trials for further development and give reasons for your choice. </a:t>
             </a:r>
-            <a:endParaRPr lang="en-NZ" dirty="0"/>
+            <a:endParaRPr lang="en-NZ"/>
           </a:p>
         </p:txBody>
       </p:sp>
@@ -7112,7 +7127,7 @@
           <a:lstStyle/>
           <a:p>
             <a:r>
-              <a:rPr lang="en-NZ" dirty="0"/>
+              <a:rPr lang="en-NZ"/>
               <a:t>[Component name]: Testing </a:t>
             </a:r>
           </a:p>
@@ -7147,7 +7162,7 @@
           <a:lstStyle/>
           <a:p>
             <a:r>
-              <a:rPr lang="en-NZ" i="1" dirty="0"/>
+              <a:rPr lang="en-NZ" i="1"/>
               <a:t>You must show the results of testing. For each component, include a screenshot proving it works.  You can also include notes about each test. </a:t>
             </a:r>
           </a:p>
@@ -7212,7 +7227,7 @@
           <a:lstStyle/>
           <a:p>
             <a:r>
-              <a:rPr lang="en-NZ" sz="4000" dirty="0"/>
+              <a:rPr lang="en-NZ" sz="4000"/>
               <a:t>Assembled Outcome Testing:</a:t>
             </a:r>
           </a:p>
@@ -7254,13 +7269,13 @@
               </a:spcAft>
             </a:pPr>
             <a:r>
-              <a:rPr lang="en-NZ" i="1" dirty="0">
+              <a:rPr lang="en-NZ" i="1">
                 <a:latin typeface="Arial" panose="020B0604020202020204" pitchFamily="34" charset="0"/>
                 <a:ea typeface="Arial" panose="020B0604020202020204" pitchFamily="34" charset="0"/>
               </a:rPr>
               <a:t>Show testing for your assembled outcome below.  This should include a test plan followed by screenshot proof.  </a:t>
             </a:r>
-            <a:endParaRPr lang="en-NZ" dirty="0">
+            <a:endParaRPr lang="en-NZ">
               <a:latin typeface="Arial" panose="020B0604020202020204" pitchFamily="34" charset="0"/>
               <a:ea typeface="Arial" panose="020B0604020202020204" pitchFamily="34" charset="0"/>
             </a:endParaRPr>
